--- a/Resources/Peer-to-Peer Presentation.pptx
+++ b/Resources/Peer-to-Peer Presentation.pptx
@@ -12987,7 +12987,7 @@
                 <a:latin typeface="Arial" panose="020B0604020202020204" pitchFamily="34" charset="0"/>
                 <a:cs typeface="Arial" panose="020B0604020202020204" pitchFamily="34" charset="0"/>
               </a:rPr>
-              <a:t>Perr-to-perr network</a:t>
+              <a:t>Peer-to-peer network</a:t>
             </a:r>
             <a:endParaRPr lang="en-US" sz="4800" dirty="0">
               <a:ln w="11430"/>
@@ -13827,22 +13827,45 @@
               <a:buChar char="ü"/>
             </a:pPr>
             <a:r>
-              <a:rPr lang="uk-UA" sz="2000" b="1" dirty="0" smtClean="0">
+              <a:rPr lang="ru-RU" sz="2000" b="1" dirty="0" err="1">
                 <a:solidFill>
                   <a:schemeClr val="accent1">
                     <a:lumMod val="50000"/>
                   </a:schemeClr>
                 </a:solidFill>
               </a:rPr>
-              <a:t>ииии</a:t>
-            </a:r>
-            <a:endParaRPr lang="ru-RU" sz="2000" b="1" dirty="0">
-              <a:solidFill>
-                <a:schemeClr val="accent1">
-                  <a:lumMod val="50000"/>
-                </a:schemeClr>
-              </a:solidFill>
-            </a:endParaRPr>
+              <a:t>BitTórrent</a:t>
+            </a:r>
+            <a:r>
+              <a:rPr lang="ru-RU" sz="2000" b="1" dirty="0">
+                <a:solidFill>
+                  <a:schemeClr val="accent1">
+                    <a:lumMod val="50000"/>
+                  </a:schemeClr>
+                </a:solidFill>
+              </a:rPr>
+              <a:t>  - использовал протокол P2P. Файлы передаются частями, каждый </a:t>
+            </a:r>
+            <a:r>
+              <a:rPr lang="ru-RU" sz="2000" b="1" dirty="0" err="1">
+                <a:solidFill>
+                  <a:schemeClr val="accent1">
+                    <a:lumMod val="50000"/>
+                  </a:schemeClr>
+                </a:solidFill>
+              </a:rPr>
+              <a:t>torrent</a:t>
+            </a:r>
+            <a:r>
+              <a:rPr lang="ru-RU" sz="2000" b="1" dirty="0">
+                <a:solidFill>
+                  <a:schemeClr val="accent1">
+                    <a:lumMod val="50000"/>
+                  </a:schemeClr>
+                </a:solidFill>
+              </a:rPr>
+              <a:t>-клиент, получая (скачивая) эти части, в то же время отдаёт (закачивает) их другим клиентам, что снижает нагрузку и зависимость от каждого клиента-источника и обеспечивает избыточность данных.</a:t>
+            </a:r>
           </a:p>
         </p:txBody>
       </p:sp>
@@ -14279,7 +14302,7 @@
         </p:spPr>
         <p:txBody>
           <a:bodyPr>
-            <a:normAutofit fontScale="85000" lnSpcReduction="20000"/>
+            <a:normAutofit fontScale="92500" lnSpcReduction="20000"/>
           </a:bodyPr>
           <a:lstStyle/>
           <a:p>
@@ -14424,23 +14447,7 @@
               <a:buChar char="ü"/>
             </a:pPr>
             <a:r>
-              <a:rPr lang="en-US" sz="2000" b="1" dirty="0" smtClean="0">
-                <a:solidFill>
-                  <a:schemeClr val="accent1">
-                    <a:lumMod val="50000"/>
-                  </a:schemeClr>
-                </a:solidFill>
-              </a:rPr>
-              <a:t>WinRAR</a:t>
-            </a:r>
-          </a:p>
-          <a:p>
-            <a:pPr marL="457200" indent="-457200" algn="l">
-              <a:buFont typeface="Wingdings" panose="05000000000000000000" pitchFamily="2" charset="2"/>
-              <a:buChar char="ü"/>
-            </a:pPr>
-            <a:r>
-              <a:rPr lang="en-US" sz="2000" b="1" dirty="0">
+              <a:rPr lang="en-US" sz="2000" b="1" dirty="0" err="1" smtClean="0">
                 <a:solidFill>
                   <a:schemeClr val="accent1">
                     <a:lumMod val="50000"/>
@@ -14536,10 +14543,7 @@
             </a:endParaRPr>
           </a:p>
           <a:p>
-            <a:pPr marL="457200" indent="-457200" algn="l">
-              <a:buFont typeface="Wingdings" panose="05000000000000000000" pitchFamily="2" charset="2"/>
-              <a:buChar char="ü"/>
-            </a:pPr>
+            <a:pPr algn="l"/>
             <a:endParaRPr lang="en-US" sz="2000" b="1" dirty="0" smtClean="0">
               <a:solidFill>
                 <a:schemeClr val="accent1">
@@ -15726,121 +15730,6 @@
                       </p:childTnLst>
                     </p:cTn>
                   </p:par>
-                  <p:par>
-                    <p:cTn id="73" fill="hold">
-                      <p:stCondLst>
-                        <p:cond delay="indefinite"/>
-                      </p:stCondLst>
-                      <p:childTnLst>
-                        <p:par>
-                          <p:cTn id="74" fill="hold">
-                            <p:stCondLst>
-                              <p:cond delay="0"/>
-                            </p:stCondLst>
-                            <p:childTnLst>
-                              <p:par>
-                                <p:cTn id="75" presetID="42" presetClass="entr" presetSubtype="0" fill="hold" grpId="0" nodeType="clickEffect">
-                                  <p:stCondLst>
-                                    <p:cond delay="0"/>
-                                  </p:stCondLst>
-                                  <p:childTnLst>
-                                    <p:set>
-                                      <p:cBhvr>
-                                        <p:cTn id="76" dur="1" fill="hold">
-                                          <p:stCondLst>
-                                            <p:cond delay="0"/>
-                                          </p:stCondLst>
-                                        </p:cTn>
-                                        <p:tgtEl>
-                                          <p:spTgt spid="3">
-                                            <p:txEl>
-                                              <p:pRg st="9" end="9"/>
-                                            </p:txEl>
-                                          </p:spTgt>
-                                        </p:tgtEl>
-                                        <p:attrNameLst>
-                                          <p:attrName>style.visibility</p:attrName>
-                                        </p:attrNameLst>
-                                      </p:cBhvr>
-                                      <p:to>
-                                        <p:strVal val="visible"/>
-                                      </p:to>
-                                    </p:set>
-                                    <p:animEffect transition="in" filter="fade">
-                                      <p:cBhvr>
-                                        <p:cTn id="77" dur="1000"/>
-                                        <p:tgtEl>
-                                          <p:spTgt spid="3">
-                                            <p:txEl>
-                                              <p:pRg st="9" end="9"/>
-                                            </p:txEl>
-                                          </p:spTgt>
-                                        </p:tgtEl>
-                                      </p:cBhvr>
-                                    </p:animEffect>
-                                    <p:anim calcmode="lin" valueType="num">
-                                      <p:cBhvr>
-                                        <p:cTn id="78" dur="1000" fill="hold"/>
-                                        <p:tgtEl>
-                                          <p:spTgt spid="3">
-                                            <p:txEl>
-                                              <p:pRg st="9" end="9"/>
-                                            </p:txEl>
-                                          </p:spTgt>
-                                        </p:tgtEl>
-                                        <p:attrNameLst>
-                                          <p:attrName>ppt_x</p:attrName>
-                                        </p:attrNameLst>
-                                      </p:cBhvr>
-                                      <p:tavLst>
-                                        <p:tav tm="0">
-                                          <p:val>
-                                            <p:strVal val="#ppt_x"/>
-                                          </p:val>
-                                        </p:tav>
-                                        <p:tav tm="100000">
-                                          <p:val>
-                                            <p:strVal val="#ppt_x"/>
-                                          </p:val>
-                                        </p:tav>
-                                      </p:tavLst>
-                                    </p:anim>
-                                    <p:anim calcmode="lin" valueType="num">
-                                      <p:cBhvr>
-                                        <p:cTn id="79" dur="1000" fill="hold"/>
-                                        <p:tgtEl>
-                                          <p:spTgt spid="3">
-                                            <p:txEl>
-                                              <p:pRg st="9" end="9"/>
-                                            </p:txEl>
-                                          </p:spTgt>
-                                        </p:tgtEl>
-                                        <p:attrNameLst>
-                                          <p:attrName>ppt_y</p:attrName>
-                                        </p:attrNameLst>
-                                      </p:cBhvr>
-                                      <p:tavLst>
-                                        <p:tav tm="0">
-                                          <p:val>
-                                            <p:strVal val="#ppt_y+.1"/>
-                                          </p:val>
-                                        </p:tav>
-                                        <p:tav tm="100000">
-                                          <p:val>
-                                            <p:strVal val="#ppt_y"/>
-                                          </p:val>
-                                        </p:tav>
-                                      </p:tavLst>
-                                    </p:anim>
-                                  </p:childTnLst>
-                                </p:cTn>
-                              </p:par>
-                            </p:childTnLst>
-                          </p:cTn>
-                        </p:par>
-                      </p:childTnLst>
-                    </p:cTn>
-                  </p:par>
                 </p:childTnLst>
               </p:cTn>
               <p:prevCondLst>
@@ -18399,6 +18288,16 @@
               <a:buChar char="ü"/>
             </a:pPr>
             <a:r>
+              <a:rPr lang="uk-UA" sz="2000" b="1" dirty="0" err="1" smtClean="0">
+                <a:solidFill>
+                  <a:schemeClr val="accent1">
+                    <a:lumMod val="50000"/>
+                  </a:schemeClr>
+                </a:solidFill>
+              </a:rPr>
+              <a:t>Созданная</a:t>
+            </a:r>
+            <a:r>
               <a:rPr lang="uk-UA" sz="2000" b="1" dirty="0" smtClean="0">
                 <a:solidFill>
                   <a:schemeClr val="accent1">
@@ -18406,17 +18305,17 @@
                   </a:schemeClr>
                 </a:solidFill>
               </a:rPr>
-              <a:t>Созданная </a:t>
-            </a:r>
-            <a:r>
-              <a:rPr lang="en-US" sz="2000" b="1" dirty="0">
+              <a:t> </a:t>
+            </a:r>
+            <a:r>
+              <a:rPr lang="en-US" sz="2000" b="1" dirty="0" smtClean="0">
                 <a:solidFill>
                   <a:schemeClr val="accent1">
                     <a:lumMod val="50000"/>
                   </a:schemeClr>
                 </a:solidFill>
               </a:rPr>
-              <a:t>Perr-to-perr </a:t>
+              <a:t>Peer-to-peer </a:t>
             </a:r>
             <a:r>
               <a:rPr lang="ru-RU" sz="2000" b="1" dirty="0">
